--- a/week14_regression.pptx
+++ b/week14_regression.pptx
@@ -319,7 +319,7 @@
               <a:pPr>
                 <a:defRPr/>
               </a:pPr>
-              <a:t>2021/1/19</a:t>
+              <a:t>2023/7/5</a:t>
             </a:fld>
             <a:endParaRPr lang="ja-JP" altLang="en-US"/>
           </a:p>
@@ -7358,7 +7358,7 @@
               <a:pPr>
                 <a:defRPr/>
               </a:pPr>
-              <a:t>2021/1/19</a:t>
+              <a:t>2023/7/5</a:t>
             </a:fld>
             <a:endParaRPr lang="ja-JP" altLang="en-US"/>
           </a:p>
@@ -7580,7 +7580,7 @@
               <a:pPr>
                 <a:defRPr/>
               </a:pPr>
-              <a:t>2021/1/19</a:t>
+              <a:t>2023/7/5</a:t>
             </a:fld>
             <a:endParaRPr lang="ja-JP" altLang="en-US"/>
           </a:p>
@@ -7812,7 +7812,7 @@
               <a:pPr>
                 <a:defRPr/>
               </a:pPr>
-              <a:t>2021/1/19</a:t>
+              <a:t>2023/7/5</a:t>
             </a:fld>
             <a:endParaRPr lang="ja-JP" altLang="en-US"/>
           </a:p>
@@ -8034,7 +8034,7 @@
               <a:pPr>
                 <a:defRPr/>
               </a:pPr>
-              <a:t>2021/1/19</a:t>
+              <a:t>2023/7/5</a:t>
             </a:fld>
             <a:endParaRPr lang="ja-JP" altLang="en-US"/>
           </a:p>
@@ -8301,7 +8301,7 @@
               <a:pPr>
                 <a:defRPr/>
               </a:pPr>
-              <a:t>2021/1/19</a:t>
+              <a:t>2023/7/5</a:t>
             </a:fld>
             <a:endParaRPr lang="ja-JP" altLang="en-US"/>
           </a:p>
@@ -8672,7 +8672,7 @@
               <a:pPr>
                 <a:defRPr/>
               </a:pPr>
-              <a:t>2021/1/19</a:t>
+              <a:t>2023/7/5</a:t>
             </a:fld>
             <a:endParaRPr lang="ja-JP" altLang="en-US"/>
           </a:p>
@@ -9177,7 +9177,7 @@
               <a:pPr>
                 <a:defRPr/>
               </a:pPr>
-              <a:t>2021/1/19</a:t>
+              <a:t>2023/7/5</a:t>
             </a:fld>
             <a:endParaRPr lang="ja-JP" altLang="en-US"/>
           </a:p>
@@ -9316,7 +9316,7 @@
               <a:pPr>
                 <a:defRPr/>
               </a:pPr>
-              <a:t>2021/1/19</a:t>
+              <a:t>2023/7/5</a:t>
             </a:fld>
             <a:endParaRPr lang="ja-JP" altLang="en-US"/>
           </a:p>
@@ -9433,7 +9433,7 @@
               <a:pPr>
                 <a:defRPr/>
               </a:pPr>
-              <a:t>2021/1/19</a:t>
+              <a:t>2023/7/5</a:t>
             </a:fld>
             <a:endParaRPr lang="ja-JP" altLang="en-US"/>
           </a:p>
@@ -9762,7 +9762,7 @@
               <a:pPr>
                 <a:defRPr/>
               </a:pPr>
-              <a:t>2021/1/19</a:t>
+              <a:t>2023/7/5</a:t>
             </a:fld>
             <a:endParaRPr lang="ja-JP" altLang="en-US"/>
           </a:p>
@@ -10039,7 +10039,7 @@
               <a:pPr>
                 <a:defRPr/>
               </a:pPr>
-              <a:t>2021/1/19</a:t>
+              <a:t>2023/7/5</a:t>
             </a:fld>
             <a:endParaRPr lang="ja-JP" altLang="en-US"/>
           </a:p>
@@ -10359,7 +10359,7 @@
               <a:pPr>
                 <a:defRPr/>
               </a:pPr>
-              <a:t>2021/1/19</a:t>
+              <a:t>2023/7/5</a:t>
             </a:fld>
             <a:endParaRPr lang="ja-JP" altLang="en-US"/>
           </a:p>
@@ -11117,37 +11117,8 @@
                 <a:ea typeface="メイリオ" panose="020B0604030504040204" pitchFamily="34" charset="-128"/>
                 <a:cs typeface="メイリオ" panose="020B0604030504040204" pitchFamily="34" charset="-128"/>
               </a:rPr>
-              <a:t>2021/1/20</a:t>
-            </a:r>
-            <a:r>
-              <a:rPr lang="ja-JP" altLang="en-US" sz="2400" dirty="0">
-                <a:latin typeface="メイリオ" panose="020B0604030504040204" pitchFamily="34" charset="-128"/>
-                <a:ea typeface="メイリオ" panose="020B0604030504040204" pitchFamily="34" charset="-128"/>
-                <a:cs typeface="メイリオ" panose="020B0604030504040204" pitchFamily="34" charset="-128"/>
-              </a:rPr>
-              <a:t>＠</a:t>
-            </a:r>
-            <a:r>
-              <a:rPr lang="en-US" altLang="ja-JP" sz="2400" dirty="0">
-                <a:latin typeface="メイリオ" panose="020B0604030504040204" pitchFamily="34" charset="-128"/>
-                <a:ea typeface="メイリオ" panose="020B0604030504040204" pitchFamily="34" charset="-128"/>
-                <a:cs typeface="メイリオ" panose="020B0604030504040204" pitchFamily="34" charset="-128"/>
-              </a:rPr>
-              <a:t>5</a:t>
-            </a:r>
-            <a:r>
-              <a:rPr lang="ja-JP" altLang="en-US" sz="2400" dirty="0">
-                <a:latin typeface="メイリオ" panose="020B0604030504040204" pitchFamily="34" charset="-128"/>
-                <a:ea typeface="メイリオ" panose="020B0604030504040204" pitchFamily="34" charset="-128"/>
-                <a:cs typeface="メイリオ" panose="020B0604030504040204" pitchFamily="34" charset="-128"/>
-              </a:rPr>
-              <a:t>限</a:t>
-            </a:r>
-            <a:endParaRPr lang="en-US" altLang="ja-JP" sz="2400" dirty="0">
-              <a:latin typeface="メイリオ" panose="020B0604030504040204" pitchFamily="34" charset="-128"/>
-              <a:ea typeface="メイリオ" panose="020B0604030504040204" pitchFamily="34" charset="-128"/>
-              <a:cs typeface="メイリオ" panose="020B0604030504040204" pitchFamily="34" charset="-128"/>
-            </a:endParaRPr>
+              <a:t>2023/7/10</a:t>
+            </a:r>
           </a:p>
           <a:p>
             <a:pPr eaLnBrk="1" hangingPunct="1"/>
@@ -11387,12 +11358,11 @@
               <a:defRPr/>
             </a:pPr>
             <a:r>
-              <a:rPr lang="en-US" altLang="ja-JP" sz="1800">
+              <a:rPr lang="en-US" altLang="ja-JP" sz="1800" dirty="0">
                 <a:latin typeface="メイリオ" panose="020B0604030504040204" pitchFamily="50" charset="-128"/>
                 <a:ea typeface="メイリオ" panose="020B0604030504040204" pitchFamily="50" charset="-128"/>
-                <a:hlinkClick r:id="rId3"/>
-              </a:rPr>
-              <a:t>Contents: https://github.com/MakotoASAOKA/IES2019_Week15</a:t>
+              </a:rPr>
+              <a:t>Contents: https://github.com/MakotoASAOKA/IES2023_Week14</a:t>
             </a:r>
             <a:endParaRPr lang="ja-JP" altLang="en-US" sz="1800" dirty="0">
               <a:latin typeface="メイリオ" pitchFamily="50" charset="-128"/>

--- a/week14_regression.pptx
+++ b/week14_regression.pptx
@@ -319,7 +319,7 @@
               <a:pPr>
                 <a:defRPr/>
               </a:pPr>
-              <a:t>2023/7/5</a:t>
+              <a:t>2023/7/7</a:t>
             </a:fld>
             <a:endParaRPr lang="ja-JP" altLang="en-US"/>
           </a:p>
@@ -7358,7 +7358,7 @@
               <a:pPr>
                 <a:defRPr/>
               </a:pPr>
-              <a:t>2023/7/5</a:t>
+              <a:t>2023/7/7</a:t>
             </a:fld>
             <a:endParaRPr lang="ja-JP" altLang="en-US"/>
           </a:p>
@@ -7580,7 +7580,7 @@
               <a:pPr>
                 <a:defRPr/>
               </a:pPr>
-              <a:t>2023/7/5</a:t>
+              <a:t>2023/7/7</a:t>
             </a:fld>
             <a:endParaRPr lang="ja-JP" altLang="en-US"/>
           </a:p>
@@ -7812,7 +7812,7 @@
               <a:pPr>
                 <a:defRPr/>
               </a:pPr>
-              <a:t>2023/7/5</a:t>
+              <a:t>2023/7/7</a:t>
             </a:fld>
             <a:endParaRPr lang="ja-JP" altLang="en-US"/>
           </a:p>
@@ -8034,7 +8034,7 @@
               <a:pPr>
                 <a:defRPr/>
               </a:pPr>
-              <a:t>2023/7/5</a:t>
+              <a:t>2023/7/7</a:t>
             </a:fld>
             <a:endParaRPr lang="ja-JP" altLang="en-US"/>
           </a:p>
@@ -8301,7 +8301,7 @@
               <a:pPr>
                 <a:defRPr/>
               </a:pPr>
-              <a:t>2023/7/5</a:t>
+              <a:t>2023/7/7</a:t>
             </a:fld>
             <a:endParaRPr lang="ja-JP" altLang="en-US"/>
           </a:p>
@@ -8672,7 +8672,7 @@
               <a:pPr>
                 <a:defRPr/>
               </a:pPr>
-              <a:t>2023/7/5</a:t>
+              <a:t>2023/7/7</a:t>
             </a:fld>
             <a:endParaRPr lang="ja-JP" altLang="en-US"/>
           </a:p>
@@ -9177,7 +9177,7 @@
               <a:pPr>
                 <a:defRPr/>
               </a:pPr>
-              <a:t>2023/7/5</a:t>
+              <a:t>2023/7/7</a:t>
             </a:fld>
             <a:endParaRPr lang="ja-JP" altLang="en-US"/>
           </a:p>
@@ -9316,7 +9316,7 @@
               <a:pPr>
                 <a:defRPr/>
               </a:pPr>
-              <a:t>2023/7/5</a:t>
+              <a:t>2023/7/7</a:t>
             </a:fld>
             <a:endParaRPr lang="ja-JP" altLang="en-US"/>
           </a:p>
@@ -9433,7 +9433,7 @@
               <a:pPr>
                 <a:defRPr/>
               </a:pPr>
-              <a:t>2023/7/5</a:t>
+              <a:t>2023/7/7</a:t>
             </a:fld>
             <a:endParaRPr lang="ja-JP" altLang="en-US"/>
           </a:p>
@@ -9762,7 +9762,7 @@
               <a:pPr>
                 <a:defRPr/>
               </a:pPr>
-              <a:t>2023/7/5</a:t>
+              <a:t>2023/7/7</a:t>
             </a:fld>
             <a:endParaRPr lang="ja-JP" altLang="en-US"/>
           </a:p>
@@ -10039,7 +10039,7 @@
               <a:pPr>
                 <a:defRPr/>
               </a:pPr>
-              <a:t>2023/7/5</a:t>
+              <a:t>2023/7/7</a:t>
             </a:fld>
             <a:endParaRPr lang="ja-JP" altLang="en-US"/>
           </a:p>
@@ -10359,7 +10359,7 @@
               <a:pPr>
                 <a:defRPr/>
               </a:pPr>
-              <a:t>2023/7/5</a:t>
+              <a:t>2023/7/7</a:t>
             </a:fld>
             <a:endParaRPr lang="ja-JP" altLang="en-US"/>
           </a:p>
@@ -11119,6 +11119,35 @@
               </a:rPr>
               <a:t>2023/7/10</a:t>
             </a:r>
+            <a:r>
+              <a:rPr lang="ja-JP" altLang="en-US" sz="2400" dirty="0">
+                <a:latin typeface="メイリオ" panose="020B0604030504040204" pitchFamily="34" charset="-128"/>
+                <a:ea typeface="メイリオ" panose="020B0604030504040204" pitchFamily="34" charset="-128"/>
+                <a:cs typeface="メイリオ" panose="020B0604030504040204" pitchFamily="34" charset="-128"/>
+              </a:rPr>
+              <a:t>＠</a:t>
+            </a:r>
+            <a:r>
+              <a:rPr lang="en-US" altLang="ja-JP" sz="2400" dirty="0">
+                <a:latin typeface="メイリオ" panose="020B0604030504040204" pitchFamily="34" charset="-128"/>
+                <a:ea typeface="メイリオ" panose="020B0604030504040204" pitchFamily="34" charset="-128"/>
+                <a:cs typeface="メイリオ" panose="020B0604030504040204" pitchFamily="34" charset="-128"/>
+              </a:rPr>
+              <a:t>4</a:t>
+            </a:r>
+            <a:r>
+              <a:rPr lang="ja-JP" altLang="en-US" sz="2400" dirty="0">
+                <a:latin typeface="メイリオ" panose="020B0604030504040204" pitchFamily="34" charset="-128"/>
+                <a:ea typeface="メイリオ" panose="020B0604030504040204" pitchFamily="34" charset="-128"/>
+                <a:cs typeface="メイリオ" panose="020B0604030504040204" pitchFamily="34" charset="-128"/>
+              </a:rPr>
+              <a:t>限</a:t>
+            </a:r>
+            <a:endParaRPr lang="en-US" altLang="ja-JP" sz="2400" dirty="0">
+              <a:latin typeface="メイリオ" panose="020B0604030504040204" pitchFamily="34" charset="-128"/>
+              <a:ea typeface="メイリオ" panose="020B0604030504040204" pitchFamily="34" charset="-128"/>
+              <a:cs typeface="メイリオ" panose="020B0604030504040204" pitchFamily="34" charset="-128"/>
+            </a:endParaRPr>
           </a:p>
           <a:p>
             <a:pPr eaLnBrk="1" hangingPunct="1"/>
@@ -11143,8 +11172,8 @@
         </p:nvSpPr>
         <p:spPr bwMode="auto">
           <a:xfrm>
-            <a:off x="1547664" y="6093296"/>
-            <a:ext cx="7486600" cy="476672"/>
+            <a:off x="2699792" y="6165304"/>
+            <a:ext cx="6334472" cy="404664"/>
           </a:xfrm>
           <a:prstGeom prst="rect">
             <a:avLst/>
@@ -11362,7 +11391,7 @@
                 <a:latin typeface="メイリオ" panose="020B0604030504040204" pitchFamily="50" charset="-128"/>
                 <a:ea typeface="メイリオ" panose="020B0604030504040204" pitchFamily="50" charset="-128"/>
               </a:rPr>
-              <a:t>Contents: https://github.com/MakotoASAOKA/IES2023_Week14</a:t>
+              <a:t>https://github.com/MakotoASAOKA/IES2023_Week14</a:t>
             </a:r>
             <a:endParaRPr lang="ja-JP" altLang="en-US" sz="1800" dirty="0">
               <a:latin typeface="メイリオ" pitchFamily="50" charset="-128"/>
@@ -27962,7 +27991,14 @@
                 <a:ea typeface="メイリオ" panose="020B0604030504040204" pitchFamily="50" charset="-128"/>
                 <a:hlinkClick r:id="rId3"/>
               </a:rPr>
-              <a:t>Contents: https://github.com/MakotoASAOKA/IES2019_Week15</a:t>
+              <a:t>Contents: </a:t>
+            </a:r>
+            <a:r>
+              <a:rPr lang="en-US" altLang="ja-JP" sz="1800" dirty="0">
+                <a:latin typeface="メイリオ" panose="020B0604030504040204" pitchFamily="50" charset="-128"/>
+                <a:ea typeface="メイリオ" panose="020B0604030504040204" pitchFamily="50" charset="-128"/>
+              </a:rPr>
+              <a:t>https://github.com/MakotoASAOKA/IES2023_Week14</a:t>
             </a:r>
             <a:endParaRPr lang="ja-JP" altLang="en-US" sz="1800" dirty="0">
               <a:latin typeface="メイリオ" pitchFamily="50" charset="-128"/>
@@ -27970,64 +28006,17 @@
               <a:cs typeface="メイリオ" pitchFamily="50" charset="-128"/>
             </a:endParaRPr>
           </a:p>
-        </p:txBody>
-      </p:sp>
-      <p:sp>
-        <p:nvSpPr>
-          <p:cNvPr id="2" name="正方形/長方形 1"/>
-          <p:cNvSpPr/>
-          <p:nvPr/>
-        </p:nvSpPr>
-        <p:spPr>
-          <a:xfrm>
-            <a:off x="685800" y="5805264"/>
-            <a:ext cx="6125780" cy="369332"/>
-          </a:xfrm>
-          <a:prstGeom prst="rect">
-            <a:avLst/>
-          </a:prstGeom>
-        </p:spPr>
-        <p:txBody>
-          <a:bodyPr wrap="none">
-            <a:spAutoFit/>
-          </a:bodyPr>
-          <a:lstStyle/>
-          <a:p>
-            <a:r>
-              <a:rPr lang="en-US" altLang="ja-JP">
-                <a:latin typeface="メイリオ" panose="020B0604030504040204" pitchFamily="50" charset="-128"/>
-                <a:ea typeface="メイリオ" panose="020B0604030504040204" pitchFamily="50" charset="-128"/>
-                <a:hlinkClick r:id="rId4"/>
-              </a:rPr>
-              <a:t>JupyterHub</a:t>
-            </a:r>
-            <a:r>
-              <a:rPr lang="en-US" altLang="ja-JP" dirty="0">
-                <a:latin typeface="メイリオ" panose="020B0604030504040204" pitchFamily="50" charset="-128"/>
-                <a:ea typeface="メイリオ" panose="020B0604030504040204" pitchFamily="50" charset="-128"/>
-                <a:hlinkClick r:id="rId4"/>
-              </a:rPr>
-              <a:t>:</a:t>
-            </a:r>
-            <a:r>
-              <a:rPr lang="ja-JP" altLang="en-US" dirty="0">
-                <a:latin typeface="メイリオ" panose="020B0604030504040204" pitchFamily="50" charset="-128"/>
-                <a:ea typeface="メイリオ" panose="020B0604030504040204" pitchFamily="50" charset="-128"/>
-                <a:hlinkClick r:id="rId4"/>
-              </a:rPr>
-              <a:t>　</a:t>
-            </a:r>
-            <a:r>
-              <a:rPr lang="en-US" altLang="ja-JP" dirty="0">
-                <a:latin typeface="メイリオ" panose="020B0604030504040204" pitchFamily="50" charset="-128"/>
-                <a:ea typeface="メイリオ" panose="020B0604030504040204" pitchFamily="50" charset="-128"/>
-                <a:hlinkClick r:id="rId4"/>
-              </a:rPr>
-              <a:t>https://jh.rcos.nii.ac.jp/php/login.php</a:t>
-            </a:r>
-            <a:endParaRPr lang="ja-JP" altLang="en-US" dirty="0">
-              <a:latin typeface="メイリオ" panose="020B0604030504040204" pitchFamily="50" charset="-128"/>
-              <a:ea typeface="メイリオ" panose="020B0604030504040204" pitchFamily="50" charset="-128"/>
+          <a:p>
+            <a:pPr algn="l" eaLnBrk="1" fontAlgn="auto" hangingPunct="1">
+              <a:spcAft>
+                <a:spcPts val="0"/>
+              </a:spcAft>
+              <a:defRPr/>
+            </a:pPr>
+            <a:endParaRPr lang="ja-JP" altLang="en-US" sz="1800" dirty="0">
+              <a:latin typeface="メイリオ" pitchFamily="50" charset="-128"/>
+              <a:ea typeface="メイリオ" pitchFamily="50" charset="-128"/>
+              <a:cs typeface="メイリオ" pitchFamily="50" charset="-128"/>
             </a:endParaRPr>
           </a:p>
         </p:txBody>
@@ -31879,20 +31868,12 @@
           <a:p>
             <a:pPr eaLnBrk="1" hangingPunct="1"/>
             <a:r>
-              <a:rPr lang="en-US" altLang="ja-JP">
-                <a:latin typeface="メイリオ" pitchFamily="50" charset="-128"/>
-                <a:ea typeface="メイリオ" pitchFamily="50" charset="-128"/>
-                <a:cs typeface="メイリオ" pitchFamily="50" charset="-128"/>
-              </a:rPr>
-              <a:t>SPSS</a:t>
-            </a:r>
-            <a:r>
-              <a:rPr lang="ja-JP" altLang="en-US">
-                <a:latin typeface="メイリオ" pitchFamily="50" charset="-128"/>
-                <a:ea typeface="メイリオ" pitchFamily="50" charset="-128"/>
-                <a:cs typeface="メイリオ" pitchFamily="50" charset="-128"/>
-              </a:rPr>
-              <a:t>の出力を解釈する</a:t>
+              <a:rPr lang="ja-JP" altLang="en-US" dirty="0">
+                <a:latin typeface="メイリオ" pitchFamily="50" charset="-128"/>
+                <a:ea typeface="メイリオ" pitchFamily="50" charset="-128"/>
+                <a:cs typeface="メイリオ" pitchFamily="50" charset="-128"/>
+              </a:rPr>
+              <a:t>出力を解釈する</a:t>
             </a:r>
           </a:p>
         </p:txBody>
@@ -32214,20 +32195,12 @@
           <a:p>
             <a:pPr eaLnBrk="1" hangingPunct="1"/>
             <a:r>
-              <a:rPr lang="en-US" altLang="ja-JP">
-                <a:latin typeface="メイリオ" pitchFamily="50" charset="-128"/>
-                <a:ea typeface="メイリオ" pitchFamily="50" charset="-128"/>
-                <a:cs typeface="メイリオ" pitchFamily="50" charset="-128"/>
-              </a:rPr>
-              <a:t>SPSS</a:t>
-            </a:r>
-            <a:r>
-              <a:rPr lang="ja-JP" altLang="en-US">
-                <a:latin typeface="メイリオ" pitchFamily="50" charset="-128"/>
-                <a:ea typeface="メイリオ" pitchFamily="50" charset="-128"/>
-                <a:cs typeface="メイリオ" pitchFamily="50" charset="-128"/>
-              </a:rPr>
-              <a:t>の出力を解釈する</a:t>
+              <a:rPr lang="ja-JP" altLang="en-US" dirty="0">
+                <a:latin typeface="メイリオ" pitchFamily="50" charset="-128"/>
+                <a:ea typeface="メイリオ" pitchFamily="50" charset="-128"/>
+                <a:cs typeface="メイリオ" pitchFamily="50" charset="-128"/>
+              </a:rPr>
+              <a:t>出力を解釈する</a:t>
             </a:r>
           </a:p>
         </p:txBody>
@@ -33317,20 +33290,12 @@
           <a:p>
             <a:pPr eaLnBrk="1" hangingPunct="1"/>
             <a:r>
-              <a:rPr lang="en-US" altLang="ja-JP" dirty="0">
-                <a:latin typeface="メイリオ" pitchFamily="50" charset="-128"/>
-                <a:ea typeface="メイリオ" pitchFamily="50" charset="-128"/>
-                <a:cs typeface="メイリオ" pitchFamily="50" charset="-128"/>
-              </a:rPr>
-              <a:t>SPSS</a:t>
-            </a:r>
-            <a:r>
               <a:rPr lang="ja-JP" altLang="en-US" dirty="0">
                 <a:latin typeface="メイリオ" pitchFamily="50" charset="-128"/>
                 <a:ea typeface="メイリオ" pitchFamily="50" charset="-128"/>
                 <a:cs typeface="メイリオ" pitchFamily="50" charset="-128"/>
               </a:rPr>
-              <a:t>の出力を解釈する</a:t>
+              <a:t>出力を解釈する</a:t>
             </a:r>
           </a:p>
         </p:txBody>
@@ -33765,20 +33730,12 @@
           <a:p>
             <a:pPr eaLnBrk="1" hangingPunct="1"/>
             <a:r>
-              <a:rPr lang="en-US" altLang="ja-JP" dirty="0">
-                <a:latin typeface="メイリオ" pitchFamily="50" charset="-128"/>
-                <a:ea typeface="メイリオ" pitchFamily="50" charset="-128"/>
-                <a:cs typeface="メイリオ" pitchFamily="50" charset="-128"/>
-              </a:rPr>
-              <a:t>SPSS</a:t>
-            </a:r>
-            <a:r>
               <a:rPr lang="ja-JP" altLang="en-US" dirty="0">
                 <a:latin typeface="メイリオ" pitchFamily="50" charset="-128"/>
                 <a:ea typeface="メイリオ" pitchFamily="50" charset="-128"/>
                 <a:cs typeface="メイリオ" pitchFamily="50" charset="-128"/>
               </a:rPr>
-              <a:t>の出力を解釈する</a:t>
+              <a:t>出力を解釈する</a:t>
             </a:r>
           </a:p>
         </p:txBody>
@@ -37870,7 +37827,7 @@
             <a:pPr lvl="2"/>
             <a:r>
               <a:rPr lang="ja-JP" altLang="en-US" dirty="0"/>
-              <a:t>世界最大の社会科学データリポジトリ。会員限定、総研大は非会員</a:t>
+              <a:t>世界最大の社会科学データリポジトリ。会員限定、総研大は非会員だが、一部データは利用可能</a:t>
             </a:r>
             <a:endParaRPr lang="en-US" altLang="ja-JP" dirty="0"/>
           </a:p>

--- a/week14_regression.pptx
+++ b/week14_regression.pptx
@@ -210,6 +210,35 @@
 </p:presentation>
 </file>
 
+<file path=ppt/changesInfos/changesInfo1.xml><?xml version="1.0" encoding="utf-8"?>
+<pc:chgInfo xmlns:a="http://schemas.openxmlformats.org/drawingml/2006/main" xmlns:r="http://schemas.openxmlformats.org/officeDocument/2006/relationships" xmlns:ac="http://schemas.microsoft.com/office/drawing/2013/main/command" xmlns:pc="http://schemas.microsoft.com/office/powerpoint/2013/main/command">
+  <pc:docChgLst>
+    <pc:chgData name="誠 朝岡" userId="0a97233fb4168b6c" providerId="LiveId" clId="{E29D1E25-8D6C-435D-B897-D96724FA5A78}"/>
+    <pc:docChg chg="custSel modSld">
+      <pc:chgData name="誠 朝岡" userId="0a97233fb4168b6c" providerId="LiveId" clId="{E29D1E25-8D6C-435D-B897-D96724FA5A78}" dt="2024-07-27T01:36:44.289" v="1" actId="27636"/>
+      <pc:docMkLst>
+        <pc:docMk/>
+      </pc:docMkLst>
+      <pc:sldChg chg="modSp mod">
+        <pc:chgData name="誠 朝岡" userId="0a97233fb4168b6c" providerId="LiveId" clId="{E29D1E25-8D6C-435D-B897-D96724FA5A78}" dt="2024-07-27T01:36:44.289" v="1" actId="27636"/>
+        <pc:sldMkLst>
+          <pc:docMk/>
+          <pc:sldMk cId="2027336822" sldId="872"/>
+        </pc:sldMkLst>
+        <pc:spChg chg="mod">
+          <ac:chgData name="誠 朝岡" userId="0a97233fb4168b6c" providerId="LiveId" clId="{E29D1E25-8D6C-435D-B897-D96724FA5A78}" dt="2024-07-27T01:36:44.289" v="1" actId="27636"/>
+          <ac:spMkLst>
+            <pc:docMk/>
+            <pc:sldMk cId="2027336822" sldId="872"/>
+            <ac:spMk id="2" creationId="{00000000-0000-0000-0000-000000000000}"/>
+          </ac:spMkLst>
+        </pc:spChg>
+      </pc:sldChg>
+    </pc:docChg>
+  </pc:docChgLst>
+</pc:chgInfo>
+</file>
+
 <file path=ppt/notesMasters/notesMaster1.xml><?xml version="1.0" encoding="utf-8"?>
 <p:notesMaster xmlns:a="http://schemas.openxmlformats.org/drawingml/2006/main" xmlns:r="http://schemas.openxmlformats.org/officeDocument/2006/relationships" xmlns:p="http://schemas.openxmlformats.org/presentationml/2006/main">
   <p:cSld>
@@ -319,7 +348,7 @@
               <a:pPr>
                 <a:defRPr/>
               </a:pPr>
-              <a:t>2021/1/19</a:t>
+              <a:t>2024/7/27</a:t>
             </a:fld>
             <a:endParaRPr lang="ja-JP" altLang="en-US"/>
           </a:p>
@@ -7358,7 +7387,7 @@
               <a:pPr>
                 <a:defRPr/>
               </a:pPr>
-              <a:t>2021/1/19</a:t>
+              <a:t>2024/7/27</a:t>
             </a:fld>
             <a:endParaRPr lang="ja-JP" altLang="en-US"/>
           </a:p>
@@ -7580,7 +7609,7 @@
               <a:pPr>
                 <a:defRPr/>
               </a:pPr>
-              <a:t>2021/1/19</a:t>
+              <a:t>2024/7/27</a:t>
             </a:fld>
             <a:endParaRPr lang="ja-JP" altLang="en-US"/>
           </a:p>
@@ -7812,7 +7841,7 @@
               <a:pPr>
                 <a:defRPr/>
               </a:pPr>
-              <a:t>2021/1/19</a:t>
+              <a:t>2024/7/27</a:t>
             </a:fld>
             <a:endParaRPr lang="ja-JP" altLang="en-US"/>
           </a:p>
@@ -8034,7 +8063,7 @@
               <a:pPr>
                 <a:defRPr/>
               </a:pPr>
-              <a:t>2021/1/19</a:t>
+              <a:t>2024/7/27</a:t>
             </a:fld>
             <a:endParaRPr lang="ja-JP" altLang="en-US"/>
           </a:p>
@@ -8301,7 +8330,7 @@
               <a:pPr>
                 <a:defRPr/>
               </a:pPr>
-              <a:t>2021/1/19</a:t>
+              <a:t>2024/7/27</a:t>
             </a:fld>
             <a:endParaRPr lang="ja-JP" altLang="en-US"/>
           </a:p>
@@ -8672,7 +8701,7 @@
               <a:pPr>
                 <a:defRPr/>
               </a:pPr>
-              <a:t>2021/1/19</a:t>
+              <a:t>2024/7/27</a:t>
             </a:fld>
             <a:endParaRPr lang="ja-JP" altLang="en-US"/>
           </a:p>
@@ -9177,7 +9206,7 @@
               <a:pPr>
                 <a:defRPr/>
               </a:pPr>
-              <a:t>2021/1/19</a:t>
+              <a:t>2024/7/27</a:t>
             </a:fld>
             <a:endParaRPr lang="ja-JP" altLang="en-US"/>
           </a:p>
@@ -9316,7 +9345,7 @@
               <a:pPr>
                 <a:defRPr/>
               </a:pPr>
-              <a:t>2021/1/19</a:t>
+              <a:t>2024/7/27</a:t>
             </a:fld>
             <a:endParaRPr lang="ja-JP" altLang="en-US"/>
           </a:p>
@@ -9433,7 +9462,7 @@
               <a:pPr>
                 <a:defRPr/>
               </a:pPr>
-              <a:t>2021/1/19</a:t>
+              <a:t>2024/7/27</a:t>
             </a:fld>
             <a:endParaRPr lang="ja-JP" altLang="en-US"/>
           </a:p>
@@ -9762,7 +9791,7 @@
               <a:pPr>
                 <a:defRPr/>
               </a:pPr>
-              <a:t>2021/1/19</a:t>
+              <a:t>2024/7/27</a:t>
             </a:fld>
             <a:endParaRPr lang="ja-JP" altLang="en-US"/>
           </a:p>
@@ -10039,7 +10068,7 @@
               <a:pPr>
                 <a:defRPr/>
               </a:pPr>
-              <a:t>2021/1/19</a:t>
+              <a:t>2024/7/27</a:t>
             </a:fld>
             <a:endParaRPr lang="ja-JP" altLang="en-US"/>
           </a:p>
@@ -10359,7 +10388,7 @@
               <a:pPr>
                 <a:defRPr/>
               </a:pPr>
-              <a:t>2021/1/19</a:t>
+              <a:t>2024/7/27</a:t>
             </a:fld>
             <a:endParaRPr lang="ja-JP" altLang="en-US"/>
           </a:p>
@@ -11117,7 +11146,7 @@
                 <a:ea typeface="メイリオ" panose="020B0604030504040204" pitchFamily="34" charset="-128"/>
                 <a:cs typeface="メイリオ" panose="020B0604030504040204" pitchFamily="34" charset="-128"/>
               </a:rPr>
-              <a:t>2021/1/20</a:t>
+              <a:t>2024/7/29</a:t>
             </a:r>
             <a:r>
               <a:rPr lang="ja-JP" altLang="en-US" sz="2400" dirty="0">
@@ -11133,7 +11162,7 @@
                 <a:ea typeface="メイリオ" panose="020B0604030504040204" pitchFamily="34" charset="-128"/>
                 <a:cs typeface="メイリオ" panose="020B0604030504040204" pitchFamily="34" charset="-128"/>
               </a:rPr>
-              <a:t>5</a:t>
+              <a:t>4</a:t>
             </a:r>
             <a:r>
               <a:rPr lang="ja-JP" altLang="en-US" sz="2400" dirty="0">
@@ -19253,18 +19282,14 @@
         </p:spPr>
         <p:txBody>
           <a:bodyPr>
-            <a:normAutofit fontScale="90000"/>
+            <a:normAutofit/>
           </a:bodyPr>
           <a:lstStyle/>
           <a:p>
             <a:r>
-              <a:rPr lang="en-US" altLang="ja-JP" dirty="0">
-                <a:latin typeface="メイリオ" pitchFamily="50" charset="-128"/>
-                <a:cs typeface="メイリオ" pitchFamily="50" charset="-128"/>
-              </a:rPr>
-              <a:t>Interpretation of simple regression analysis</a:t>
-            </a:r>
-            <a:endParaRPr kumimoji="1" lang="ja-JP" altLang="en-US" dirty="0"/>
+              <a:rPr kumimoji="1" lang="ja-JP" altLang="en-US" dirty="0"/>
+              <a:t>単回帰分析の解釈</a:t>
+            </a:r>
           </a:p>
         </p:txBody>
       </p:sp>

--- a/week14_regression.pptx
+++ b/week14_regression.pptx
@@ -210,6 +210,35 @@
 </p:presentation>
 </file>
 
+<file path=ppt/changesInfos/changesInfo1.xml><?xml version="1.0" encoding="utf-8"?>
+<pc:chgInfo xmlns:a="http://schemas.openxmlformats.org/drawingml/2006/main" xmlns:r="http://schemas.openxmlformats.org/officeDocument/2006/relationships" xmlns:ac="http://schemas.microsoft.com/office/drawing/2013/main/command" xmlns:pc="http://schemas.microsoft.com/office/powerpoint/2013/main/command">
+  <pc:docChgLst>
+    <pc:chgData name="誠 朝岡" userId="0a97233fb4168b6c" providerId="LiveId" clId="{E29D1E25-8D6C-435D-B897-D96724FA5A78}"/>
+    <pc:docChg chg="custSel modSld">
+      <pc:chgData name="誠 朝岡" userId="0a97233fb4168b6c" providerId="LiveId" clId="{E29D1E25-8D6C-435D-B897-D96724FA5A78}" dt="2024-07-27T01:36:44.289" v="1" actId="27636"/>
+      <pc:docMkLst>
+        <pc:docMk/>
+      </pc:docMkLst>
+      <pc:sldChg chg="modSp mod">
+        <pc:chgData name="誠 朝岡" userId="0a97233fb4168b6c" providerId="LiveId" clId="{E29D1E25-8D6C-435D-B897-D96724FA5A78}" dt="2024-07-27T01:36:44.289" v="1" actId="27636"/>
+        <pc:sldMkLst>
+          <pc:docMk/>
+          <pc:sldMk cId="2027336822" sldId="872"/>
+        </pc:sldMkLst>
+        <pc:spChg chg="mod">
+          <ac:chgData name="誠 朝岡" userId="0a97233fb4168b6c" providerId="LiveId" clId="{E29D1E25-8D6C-435D-B897-D96724FA5A78}" dt="2024-07-27T01:36:44.289" v="1" actId="27636"/>
+          <ac:spMkLst>
+            <pc:docMk/>
+            <pc:sldMk cId="2027336822" sldId="872"/>
+            <ac:spMk id="2" creationId="{00000000-0000-0000-0000-000000000000}"/>
+          </ac:spMkLst>
+        </pc:spChg>
+      </pc:sldChg>
+    </pc:docChg>
+  </pc:docChgLst>
+</pc:chgInfo>
+</file>
+
 <file path=ppt/notesMasters/notesMaster1.xml><?xml version="1.0" encoding="utf-8"?>
 <p:notesMaster xmlns:a="http://schemas.openxmlformats.org/drawingml/2006/main" xmlns:r="http://schemas.openxmlformats.org/officeDocument/2006/relationships" xmlns:p="http://schemas.openxmlformats.org/presentationml/2006/main">
   <p:cSld>
@@ -319,7 +348,7 @@
               <a:pPr>
                 <a:defRPr/>
               </a:pPr>
-              <a:t>2023/7/7</a:t>
+              <a:t>2024/7/27</a:t>
             </a:fld>
             <a:endParaRPr lang="ja-JP" altLang="en-US"/>
           </a:p>
@@ -7358,7 +7387,7 @@
               <a:pPr>
                 <a:defRPr/>
               </a:pPr>
-              <a:t>2023/7/7</a:t>
+              <a:t>2024/7/27</a:t>
             </a:fld>
             <a:endParaRPr lang="ja-JP" altLang="en-US"/>
           </a:p>
@@ -7580,7 +7609,7 @@
               <a:pPr>
                 <a:defRPr/>
               </a:pPr>
-              <a:t>2023/7/7</a:t>
+              <a:t>2024/7/27</a:t>
             </a:fld>
             <a:endParaRPr lang="ja-JP" altLang="en-US"/>
           </a:p>
@@ -7812,7 +7841,7 @@
               <a:pPr>
                 <a:defRPr/>
               </a:pPr>
-              <a:t>2023/7/7</a:t>
+              <a:t>2024/7/27</a:t>
             </a:fld>
             <a:endParaRPr lang="ja-JP" altLang="en-US"/>
           </a:p>
@@ -8034,7 +8063,7 @@
               <a:pPr>
                 <a:defRPr/>
               </a:pPr>
-              <a:t>2023/7/7</a:t>
+              <a:t>2024/7/27</a:t>
             </a:fld>
             <a:endParaRPr lang="ja-JP" altLang="en-US"/>
           </a:p>
@@ -8301,7 +8330,7 @@
               <a:pPr>
                 <a:defRPr/>
               </a:pPr>
-              <a:t>2023/7/7</a:t>
+              <a:t>2024/7/27</a:t>
             </a:fld>
             <a:endParaRPr lang="ja-JP" altLang="en-US"/>
           </a:p>
@@ -8672,7 +8701,7 @@
               <a:pPr>
                 <a:defRPr/>
               </a:pPr>
-              <a:t>2023/7/7</a:t>
+              <a:t>2024/7/27</a:t>
             </a:fld>
             <a:endParaRPr lang="ja-JP" altLang="en-US"/>
           </a:p>
@@ -9177,7 +9206,7 @@
               <a:pPr>
                 <a:defRPr/>
               </a:pPr>
-              <a:t>2023/7/7</a:t>
+              <a:t>2024/7/27</a:t>
             </a:fld>
             <a:endParaRPr lang="ja-JP" altLang="en-US"/>
           </a:p>
@@ -9316,7 +9345,7 @@
               <a:pPr>
                 <a:defRPr/>
               </a:pPr>
-              <a:t>2023/7/7</a:t>
+              <a:t>2024/7/27</a:t>
             </a:fld>
             <a:endParaRPr lang="ja-JP" altLang="en-US"/>
           </a:p>
@@ -9433,7 +9462,7 @@
               <a:pPr>
                 <a:defRPr/>
               </a:pPr>
-              <a:t>2023/7/7</a:t>
+              <a:t>2024/7/27</a:t>
             </a:fld>
             <a:endParaRPr lang="ja-JP" altLang="en-US"/>
           </a:p>
@@ -9762,7 +9791,7 @@
               <a:pPr>
                 <a:defRPr/>
               </a:pPr>
-              <a:t>2023/7/7</a:t>
+              <a:t>2024/7/27</a:t>
             </a:fld>
             <a:endParaRPr lang="ja-JP" altLang="en-US"/>
           </a:p>
@@ -10039,7 +10068,7 @@
               <a:pPr>
                 <a:defRPr/>
               </a:pPr>
-              <a:t>2023/7/7</a:t>
+              <a:t>2024/7/27</a:t>
             </a:fld>
             <a:endParaRPr lang="ja-JP" altLang="en-US"/>
           </a:p>
@@ -10359,7 +10388,7 @@
               <a:pPr>
                 <a:defRPr/>
               </a:pPr>
-              <a:t>2023/7/7</a:t>
+              <a:t>2024/7/27</a:t>
             </a:fld>
             <a:endParaRPr lang="ja-JP" altLang="en-US"/>
           </a:p>
@@ -11117,7 +11146,7 @@
                 <a:ea typeface="メイリオ" panose="020B0604030504040204" pitchFamily="34" charset="-128"/>
                 <a:cs typeface="メイリオ" panose="020B0604030504040204" pitchFamily="34" charset="-128"/>
               </a:rPr>
-              <a:t>2023/7/10</a:t>
+              <a:t>2024/7/29</a:t>
             </a:r>
             <a:r>
               <a:rPr lang="ja-JP" altLang="en-US" sz="2400" dirty="0">
@@ -11172,8 +11201,8 @@
         </p:nvSpPr>
         <p:spPr bwMode="auto">
           <a:xfrm>
-            <a:off x="2699792" y="6165304"/>
-            <a:ext cx="6334472" cy="404664"/>
+            <a:off x="1547664" y="6093296"/>
+            <a:ext cx="7486600" cy="476672"/>
           </a:xfrm>
           <a:prstGeom prst="rect">
             <a:avLst/>
@@ -11387,11 +11416,12 @@
               <a:defRPr/>
             </a:pPr>
             <a:r>
-              <a:rPr lang="en-US" altLang="ja-JP" sz="1800" dirty="0">
+              <a:rPr lang="en-US" altLang="ja-JP" sz="1800">
                 <a:latin typeface="メイリオ" panose="020B0604030504040204" pitchFamily="50" charset="-128"/>
                 <a:ea typeface="メイリオ" panose="020B0604030504040204" pitchFamily="50" charset="-128"/>
-              </a:rPr>
-              <a:t>https://github.com/MakotoASAOKA/IES2023_Week14</a:t>
+                <a:hlinkClick r:id="rId3"/>
+              </a:rPr>
+              <a:t>Contents: https://github.com/MakotoASAOKA/IES2019_Week15</a:t>
             </a:r>
             <a:endParaRPr lang="ja-JP" altLang="en-US" sz="1800" dirty="0">
               <a:latin typeface="メイリオ" pitchFamily="50" charset="-128"/>
@@ -19252,18 +19282,14 @@
         </p:spPr>
         <p:txBody>
           <a:bodyPr>
-            <a:normAutofit fontScale="90000"/>
+            <a:normAutofit/>
           </a:bodyPr>
           <a:lstStyle/>
           <a:p>
             <a:r>
-              <a:rPr lang="en-US" altLang="ja-JP" dirty="0">
-                <a:latin typeface="メイリオ" pitchFamily="50" charset="-128"/>
-                <a:cs typeface="メイリオ" pitchFamily="50" charset="-128"/>
-              </a:rPr>
-              <a:t>Interpretation of simple regression analysis</a:t>
-            </a:r>
-            <a:endParaRPr kumimoji="1" lang="ja-JP" altLang="en-US" dirty="0"/>
+              <a:rPr kumimoji="1" lang="ja-JP" altLang="en-US" dirty="0"/>
+              <a:t>単回帰分析の解釈</a:t>
+            </a:r>
           </a:p>
         </p:txBody>
       </p:sp>
@@ -27991,14 +28017,7 @@
                 <a:ea typeface="メイリオ" panose="020B0604030504040204" pitchFamily="50" charset="-128"/>
                 <a:hlinkClick r:id="rId3"/>
               </a:rPr>
-              <a:t>Contents: </a:t>
-            </a:r>
-            <a:r>
-              <a:rPr lang="en-US" altLang="ja-JP" sz="1800" dirty="0">
-                <a:latin typeface="メイリオ" panose="020B0604030504040204" pitchFamily="50" charset="-128"/>
-                <a:ea typeface="メイリオ" panose="020B0604030504040204" pitchFamily="50" charset="-128"/>
-              </a:rPr>
-              <a:t>https://github.com/MakotoASAOKA/IES2023_Week14</a:t>
+              <a:t>Contents: https://github.com/MakotoASAOKA/IES2019_Week15</a:t>
             </a:r>
             <a:endParaRPr lang="ja-JP" altLang="en-US" sz="1800" dirty="0">
               <a:latin typeface="メイリオ" pitchFamily="50" charset="-128"/>
@@ -28006,17 +28025,64 @@
               <a:cs typeface="メイリオ" pitchFamily="50" charset="-128"/>
             </a:endParaRPr>
           </a:p>
-          <a:p>
-            <a:pPr algn="l" eaLnBrk="1" fontAlgn="auto" hangingPunct="1">
-              <a:spcAft>
-                <a:spcPts val="0"/>
-              </a:spcAft>
-              <a:defRPr/>
-            </a:pPr>
-            <a:endParaRPr lang="ja-JP" altLang="en-US" sz="1800" dirty="0">
-              <a:latin typeface="メイリオ" pitchFamily="50" charset="-128"/>
-              <a:ea typeface="メイリオ" pitchFamily="50" charset="-128"/>
-              <a:cs typeface="メイリオ" pitchFamily="50" charset="-128"/>
+        </p:txBody>
+      </p:sp>
+      <p:sp>
+        <p:nvSpPr>
+          <p:cNvPr id="2" name="正方形/長方形 1"/>
+          <p:cNvSpPr/>
+          <p:nvPr/>
+        </p:nvSpPr>
+        <p:spPr>
+          <a:xfrm>
+            <a:off x="685800" y="5805264"/>
+            <a:ext cx="6125780" cy="369332"/>
+          </a:xfrm>
+          <a:prstGeom prst="rect">
+            <a:avLst/>
+          </a:prstGeom>
+        </p:spPr>
+        <p:txBody>
+          <a:bodyPr wrap="none">
+            <a:spAutoFit/>
+          </a:bodyPr>
+          <a:lstStyle/>
+          <a:p>
+            <a:r>
+              <a:rPr lang="en-US" altLang="ja-JP">
+                <a:latin typeface="メイリオ" panose="020B0604030504040204" pitchFamily="50" charset="-128"/>
+                <a:ea typeface="メイリオ" panose="020B0604030504040204" pitchFamily="50" charset="-128"/>
+                <a:hlinkClick r:id="rId4"/>
+              </a:rPr>
+              <a:t>JupyterHub</a:t>
+            </a:r>
+            <a:r>
+              <a:rPr lang="en-US" altLang="ja-JP" dirty="0">
+                <a:latin typeface="メイリオ" panose="020B0604030504040204" pitchFamily="50" charset="-128"/>
+                <a:ea typeface="メイリオ" panose="020B0604030504040204" pitchFamily="50" charset="-128"/>
+                <a:hlinkClick r:id="rId4"/>
+              </a:rPr>
+              <a:t>:</a:t>
+            </a:r>
+            <a:r>
+              <a:rPr lang="ja-JP" altLang="en-US" dirty="0">
+                <a:latin typeface="メイリオ" panose="020B0604030504040204" pitchFamily="50" charset="-128"/>
+                <a:ea typeface="メイリオ" panose="020B0604030504040204" pitchFamily="50" charset="-128"/>
+                <a:hlinkClick r:id="rId4"/>
+              </a:rPr>
+              <a:t>　</a:t>
+            </a:r>
+            <a:r>
+              <a:rPr lang="en-US" altLang="ja-JP" dirty="0">
+                <a:latin typeface="メイリオ" panose="020B0604030504040204" pitchFamily="50" charset="-128"/>
+                <a:ea typeface="メイリオ" panose="020B0604030504040204" pitchFamily="50" charset="-128"/>
+                <a:hlinkClick r:id="rId4"/>
+              </a:rPr>
+              <a:t>https://jh.rcos.nii.ac.jp/php/login.php</a:t>
+            </a:r>
+            <a:endParaRPr lang="ja-JP" altLang="en-US" dirty="0">
+              <a:latin typeface="メイリオ" panose="020B0604030504040204" pitchFamily="50" charset="-128"/>
+              <a:ea typeface="メイリオ" panose="020B0604030504040204" pitchFamily="50" charset="-128"/>
             </a:endParaRPr>
           </a:p>
         </p:txBody>
@@ -31868,12 +31934,20 @@
           <a:p>
             <a:pPr eaLnBrk="1" hangingPunct="1"/>
             <a:r>
-              <a:rPr lang="ja-JP" altLang="en-US" dirty="0">
-                <a:latin typeface="メイリオ" pitchFamily="50" charset="-128"/>
-                <a:ea typeface="メイリオ" pitchFamily="50" charset="-128"/>
-                <a:cs typeface="メイリオ" pitchFamily="50" charset="-128"/>
-              </a:rPr>
-              <a:t>出力を解釈する</a:t>
+              <a:rPr lang="en-US" altLang="ja-JP">
+                <a:latin typeface="メイリオ" pitchFamily="50" charset="-128"/>
+                <a:ea typeface="メイリオ" pitchFamily="50" charset="-128"/>
+                <a:cs typeface="メイリオ" pitchFamily="50" charset="-128"/>
+              </a:rPr>
+              <a:t>SPSS</a:t>
+            </a:r>
+            <a:r>
+              <a:rPr lang="ja-JP" altLang="en-US">
+                <a:latin typeface="メイリオ" pitchFamily="50" charset="-128"/>
+                <a:ea typeface="メイリオ" pitchFamily="50" charset="-128"/>
+                <a:cs typeface="メイリオ" pitchFamily="50" charset="-128"/>
+              </a:rPr>
+              <a:t>の出力を解釈する</a:t>
             </a:r>
           </a:p>
         </p:txBody>
@@ -32195,12 +32269,20 @@
           <a:p>
             <a:pPr eaLnBrk="1" hangingPunct="1"/>
             <a:r>
-              <a:rPr lang="ja-JP" altLang="en-US" dirty="0">
-                <a:latin typeface="メイリオ" pitchFamily="50" charset="-128"/>
-                <a:ea typeface="メイリオ" pitchFamily="50" charset="-128"/>
-                <a:cs typeface="メイリオ" pitchFamily="50" charset="-128"/>
-              </a:rPr>
-              <a:t>出力を解釈する</a:t>
+              <a:rPr lang="en-US" altLang="ja-JP">
+                <a:latin typeface="メイリオ" pitchFamily="50" charset="-128"/>
+                <a:ea typeface="メイリオ" pitchFamily="50" charset="-128"/>
+                <a:cs typeface="メイリオ" pitchFamily="50" charset="-128"/>
+              </a:rPr>
+              <a:t>SPSS</a:t>
+            </a:r>
+            <a:r>
+              <a:rPr lang="ja-JP" altLang="en-US">
+                <a:latin typeface="メイリオ" pitchFamily="50" charset="-128"/>
+                <a:ea typeface="メイリオ" pitchFamily="50" charset="-128"/>
+                <a:cs typeface="メイリオ" pitchFamily="50" charset="-128"/>
+              </a:rPr>
+              <a:t>の出力を解釈する</a:t>
             </a:r>
           </a:p>
         </p:txBody>
@@ -33290,12 +33372,20 @@
           <a:p>
             <a:pPr eaLnBrk="1" hangingPunct="1"/>
             <a:r>
+              <a:rPr lang="en-US" altLang="ja-JP" dirty="0">
+                <a:latin typeface="メイリオ" pitchFamily="50" charset="-128"/>
+                <a:ea typeface="メイリオ" pitchFamily="50" charset="-128"/>
+                <a:cs typeface="メイリオ" pitchFamily="50" charset="-128"/>
+              </a:rPr>
+              <a:t>SPSS</a:t>
+            </a:r>
+            <a:r>
               <a:rPr lang="ja-JP" altLang="en-US" dirty="0">
                 <a:latin typeface="メイリオ" pitchFamily="50" charset="-128"/>
                 <a:ea typeface="メイリオ" pitchFamily="50" charset="-128"/>
                 <a:cs typeface="メイリオ" pitchFamily="50" charset="-128"/>
               </a:rPr>
-              <a:t>出力を解釈する</a:t>
+              <a:t>の出力を解釈する</a:t>
             </a:r>
           </a:p>
         </p:txBody>
@@ -33730,12 +33820,20 @@
           <a:p>
             <a:pPr eaLnBrk="1" hangingPunct="1"/>
             <a:r>
+              <a:rPr lang="en-US" altLang="ja-JP" dirty="0">
+                <a:latin typeface="メイリオ" pitchFamily="50" charset="-128"/>
+                <a:ea typeface="メイリオ" pitchFamily="50" charset="-128"/>
+                <a:cs typeface="メイリオ" pitchFamily="50" charset="-128"/>
+              </a:rPr>
+              <a:t>SPSS</a:t>
+            </a:r>
+            <a:r>
               <a:rPr lang="ja-JP" altLang="en-US" dirty="0">
                 <a:latin typeface="メイリオ" pitchFamily="50" charset="-128"/>
                 <a:ea typeface="メイリオ" pitchFamily="50" charset="-128"/>
                 <a:cs typeface="メイリオ" pitchFamily="50" charset="-128"/>
               </a:rPr>
-              <a:t>出力を解釈する</a:t>
+              <a:t>の出力を解釈する</a:t>
             </a:r>
           </a:p>
         </p:txBody>
@@ -37827,7 +37925,7 @@
             <a:pPr lvl="2"/>
             <a:r>
               <a:rPr lang="ja-JP" altLang="en-US" dirty="0"/>
-              <a:t>世界最大の社会科学データリポジトリ。会員限定、総研大は非会員だが、一部データは利用可能</a:t>
+              <a:t>世界最大の社会科学データリポジトリ。会員限定、総研大は非会員</a:t>
             </a:r>
             <a:endParaRPr lang="en-US" altLang="ja-JP" dirty="0"/>
           </a:p>

--- a/week14_regression.pptx
+++ b/week14_regression.pptx
@@ -210,35 +210,6 @@
 </p:presentation>
 </file>
 
-<file path=ppt/changesInfos/changesInfo1.xml><?xml version="1.0" encoding="utf-8"?>
-<pc:chgInfo xmlns:a="http://schemas.openxmlformats.org/drawingml/2006/main" xmlns:r="http://schemas.openxmlformats.org/officeDocument/2006/relationships" xmlns:ac="http://schemas.microsoft.com/office/drawing/2013/main/command" xmlns:pc="http://schemas.microsoft.com/office/powerpoint/2013/main/command">
-  <pc:docChgLst>
-    <pc:chgData name="誠 朝岡" userId="0a97233fb4168b6c" providerId="LiveId" clId="{E29D1E25-8D6C-435D-B897-D96724FA5A78}"/>
-    <pc:docChg chg="custSel modSld">
-      <pc:chgData name="誠 朝岡" userId="0a97233fb4168b6c" providerId="LiveId" clId="{E29D1E25-8D6C-435D-B897-D96724FA5A78}" dt="2024-07-27T01:36:44.289" v="1" actId="27636"/>
-      <pc:docMkLst>
-        <pc:docMk/>
-      </pc:docMkLst>
-      <pc:sldChg chg="modSp mod">
-        <pc:chgData name="誠 朝岡" userId="0a97233fb4168b6c" providerId="LiveId" clId="{E29D1E25-8D6C-435D-B897-D96724FA5A78}" dt="2024-07-27T01:36:44.289" v="1" actId="27636"/>
-        <pc:sldMkLst>
-          <pc:docMk/>
-          <pc:sldMk cId="2027336822" sldId="872"/>
-        </pc:sldMkLst>
-        <pc:spChg chg="mod">
-          <ac:chgData name="誠 朝岡" userId="0a97233fb4168b6c" providerId="LiveId" clId="{E29D1E25-8D6C-435D-B897-D96724FA5A78}" dt="2024-07-27T01:36:44.289" v="1" actId="27636"/>
-          <ac:spMkLst>
-            <pc:docMk/>
-            <pc:sldMk cId="2027336822" sldId="872"/>
-            <ac:spMk id="2" creationId="{00000000-0000-0000-0000-000000000000}"/>
-          </ac:spMkLst>
-        </pc:spChg>
-      </pc:sldChg>
-    </pc:docChg>
-  </pc:docChgLst>
-</pc:chgInfo>
-</file>
-
 <file path=ppt/notesMasters/notesMaster1.xml><?xml version="1.0" encoding="utf-8"?>
 <p:notesMaster xmlns:a="http://schemas.openxmlformats.org/drawingml/2006/main" xmlns:r="http://schemas.openxmlformats.org/officeDocument/2006/relationships" xmlns:p="http://schemas.openxmlformats.org/presentationml/2006/main">
   <p:cSld>
@@ -348,7 +319,7 @@
               <a:pPr>
                 <a:defRPr/>
               </a:pPr>
-              <a:t>2024/7/27</a:t>
+              <a:t>2025/7/25</a:t>
             </a:fld>
             <a:endParaRPr lang="ja-JP" altLang="en-US"/>
           </a:p>
@@ -7387,7 +7358,7 @@
               <a:pPr>
                 <a:defRPr/>
               </a:pPr>
-              <a:t>2024/7/27</a:t>
+              <a:t>2025/7/25</a:t>
             </a:fld>
             <a:endParaRPr lang="ja-JP" altLang="en-US"/>
           </a:p>
@@ -7609,7 +7580,7 @@
               <a:pPr>
                 <a:defRPr/>
               </a:pPr>
-              <a:t>2024/7/27</a:t>
+              <a:t>2025/7/25</a:t>
             </a:fld>
             <a:endParaRPr lang="ja-JP" altLang="en-US"/>
           </a:p>
@@ -7841,7 +7812,7 @@
               <a:pPr>
                 <a:defRPr/>
               </a:pPr>
-              <a:t>2024/7/27</a:t>
+              <a:t>2025/7/25</a:t>
             </a:fld>
             <a:endParaRPr lang="ja-JP" altLang="en-US"/>
           </a:p>
@@ -8063,7 +8034,7 @@
               <a:pPr>
                 <a:defRPr/>
               </a:pPr>
-              <a:t>2024/7/27</a:t>
+              <a:t>2025/7/25</a:t>
             </a:fld>
             <a:endParaRPr lang="ja-JP" altLang="en-US"/>
           </a:p>
@@ -8330,7 +8301,7 @@
               <a:pPr>
                 <a:defRPr/>
               </a:pPr>
-              <a:t>2024/7/27</a:t>
+              <a:t>2025/7/25</a:t>
             </a:fld>
             <a:endParaRPr lang="ja-JP" altLang="en-US"/>
           </a:p>
@@ -8701,7 +8672,7 @@
               <a:pPr>
                 <a:defRPr/>
               </a:pPr>
-              <a:t>2024/7/27</a:t>
+              <a:t>2025/7/25</a:t>
             </a:fld>
             <a:endParaRPr lang="ja-JP" altLang="en-US"/>
           </a:p>
@@ -9206,7 +9177,7 @@
               <a:pPr>
                 <a:defRPr/>
               </a:pPr>
-              <a:t>2024/7/27</a:t>
+              <a:t>2025/7/25</a:t>
             </a:fld>
             <a:endParaRPr lang="ja-JP" altLang="en-US"/>
           </a:p>
@@ -9345,7 +9316,7 @@
               <a:pPr>
                 <a:defRPr/>
               </a:pPr>
-              <a:t>2024/7/27</a:t>
+              <a:t>2025/7/25</a:t>
             </a:fld>
             <a:endParaRPr lang="ja-JP" altLang="en-US"/>
           </a:p>
@@ -9462,7 +9433,7 @@
               <a:pPr>
                 <a:defRPr/>
               </a:pPr>
-              <a:t>2024/7/27</a:t>
+              <a:t>2025/7/25</a:t>
             </a:fld>
             <a:endParaRPr lang="ja-JP" altLang="en-US"/>
           </a:p>
@@ -9791,7 +9762,7 @@
               <a:pPr>
                 <a:defRPr/>
               </a:pPr>
-              <a:t>2024/7/27</a:t>
+              <a:t>2025/7/25</a:t>
             </a:fld>
             <a:endParaRPr lang="ja-JP" altLang="en-US"/>
           </a:p>
@@ -10068,7 +10039,7 @@
               <a:pPr>
                 <a:defRPr/>
               </a:pPr>
-              <a:t>2024/7/27</a:t>
+              <a:t>2025/7/25</a:t>
             </a:fld>
             <a:endParaRPr lang="ja-JP" altLang="en-US"/>
           </a:p>
@@ -10388,7 +10359,7 @@
               <a:pPr>
                 <a:defRPr/>
               </a:pPr>
-              <a:t>2024/7/27</a:t>
+              <a:t>2025/7/25</a:t>
             </a:fld>
             <a:endParaRPr lang="ja-JP" altLang="en-US"/>
           </a:p>
@@ -11146,7 +11117,7 @@
                 <a:ea typeface="メイリオ" panose="020B0604030504040204" pitchFamily="34" charset="-128"/>
                 <a:cs typeface="メイリオ" panose="020B0604030504040204" pitchFamily="34" charset="-128"/>
               </a:rPr>
-              <a:t>2024/7/29</a:t>
+              <a:t>2025/7/28</a:t>
             </a:r>
             <a:r>
               <a:rPr lang="ja-JP" altLang="en-US" sz="2400" dirty="0">
@@ -11201,8 +11172,8 @@
         </p:nvSpPr>
         <p:spPr bwMode="auto">
           <a:xfrm>
-            <a:off x="1547664" y="6093296"/>
-            <a:ext cx="7486600" cy="476672"/>
+            <a:off x="2699792" y="6165304"/>
+            <a:ext cx="6334472" cy="404664"/>
           </a:xfrm>
           <a:prstGeom prst="rect">
             <a:avLst/>
@@ -11416,12 +11387,11 @@
               <a:defRPr/>
             </a:pPr>
             <a:r>
-              <a:rPr lang="en-US" altLang="ja-JP" sz="1800">
+              <a:rPr lang="en-US" altLang="ja-JP" sz="1800" dirty="0">
                 <a:latin typeface="メイリオ" panose="020B0604030504040204" pitchFamily="50" charset="-128"/>
                 <a:ea typeface="メイリオ" panose="020B0604030504040204" pitchFamily="50" charset="-128"/>
-                <a:hlinkClick r:id="rId3"/>
-              </a:rPr>
-              <a:t>Contents: https://github.com/MakotoASAOKA/IES2019_Week15</a:t>
+              </a:rPr>
+              <a:t>https://github.com/MakotoASAOKA/IES2023_Week14</a:t>
             </a:r>
             <a:endParaRPr lang="ja-JP" altLang="en-US" sz="1800" dirty="0">
               <a:latin typeface="メイリオ" pitchFamily="50" charset="-128"/>
@@ -19282,14 +19252,18 @@
         </p:spPr>
         <p:txBody>
           <a:bodyPr>
-            <a:normAutofit/>
+            <a:normAutofit fontScale="90000"/>
           </a:bodyPr>
           <a:lstStyle/>
           <a:p>
             <a:r>
-              <a:rPr kumimoji="1" lang="ja-JP" altLang="en-US" dirty="0"/>
-              <a:t>単回帰分析の解釈</a:t>
-            </a:r>
+              <a:rPr lang="en-US" altLang="ja-JP" dirty="0">
+                <a:latin typeface="メイリオ" pitchFamily="50" charset="-128"/>
+                <a:cs typeface="メイリオ" pitchFamily="50" charset="-128"/>
+              </a:rPr>
+              <a:t>Interpretation of simple regression analysis</a:t>
+            </a:r>
+            <a:endParaRPr kumimoji="1" lang="ja-JP" altLang="en-US" dirty="0"/>
           </a:p>
         </p:txBody>
       </p:sp>
@@ -28017,7 +27991,14 @@
                 <a:ea typeface="メイリオ" panose="020B0604030504040204" pitchFamily="50" charset="-128"/>
                 <a:hlinkClick r:id="rId3"/>
               </a:rPr>
-              <a:t>Contents: https://github.com/MakotoASAOKA/IES2019_Week15</a:t>
+              <a:t>Contents: </a:t>
+            </a:r>
+            <a:r>
+              <a:rPr lang="en-US" altLang="ja-JP" sz="1800" dirty="0">
+                <a:latin typeface="メイリオ" panose="020B0604030504040204" pitchFamily="50" charset="-128"/>
+                <a:ea typeface="メイリオ" panose="020B0604030504040204" pitchFamily="50" charset="-128"/>
+              </a:rPr>
+              <a:t>https://github.com/MakotoASAOKA/IES2023_Week14</a:t>
             </a:r>
             <a:endParaRPr lang="ja-JP" altLang="en-US" sz="1800" dirty="0">
               <a:latin typeface="メイリオ" pitchFamily="50" charset="-128"/>
@@ -28025,64 +28006,17 @@
               <a:cs typeface="メイリオ" pitchFamily="50" charset="-128"/>
             </a:endParaRPr>
           </a:p>
-        </p:txBody>
-      </p:sp>
-      <p:sp>
-        <p:nvSpPr>
-          <p:cNvPr id="2" name="正方形/長方形 1"/>
-          <p:cNvSpPr/>
-          <p:nvPr/>
-        </p:nvSpPr>
-        <p:spPr>
-          <a:xfrm>
-            <a:off x="685800" y="5805264"/>
-            <a:ext cx="6125780" cy="369332"/>
-          </a:xfrm>
-          <a:prstGeom prst="rect">
-            <a:avLst/>
-          </a:prstGeom>
-        </p:spPr>
-        <p:txBody>
-          <a:bodyPr wrap="none">
-            <a:spAutoFit/>
-          </a:bodyPr>
-          <a:lstStyle/>
-          <a:p>
-            <a:r>
-              <a:rPr lang="en-US" altLang="ja-JP">
-                <a:latin typeface="メイリオ" panose="020B0604030504040204" pitchFamily="50" charset="-128"/>
-                <a:ea typeface="メイリオ" panose="020B0604030504040204" pitchFamily="50" charset="-128"/>
-                <a:hlinkClick r:id="rId4"/>
-              </a:rPr>
-              <a:t>JupyterHub</a:t>
-            </a:r>
-            <a:r>
-              <a:rPr lang="en-US" altLang="ja-JP" dirty="0">
-                <a:latin typeface="メイリオ" panose="020B0604030504040204" pitchFamily="50" charset="-128"/>
-                <a:ea typeface="メイリオ" panose="020B0604030504040204" pitchFamily="50" charset="-128"/>
-                <a:hlinkClick r:id="rId4"/>
-              </a:rPr>
-              <a:t>:</a:t>
-            </a:r>
-            <a:r>
-              <a:rPr lang="ja-JP" altLang="en-US" dirty="0">
-                <a:latin typeface="メイリオ" panose="020B0604030504040204" pitchFamily="50" charset="-128"/>
-                <a:ea typeface="メイリオ" panose="020B0604030504040204" pitchFamily="50" charset="-128"/>
-                <a:hlinkClick r:id="rId4"/>
-              </a:rPr>
-              <a:t>　</a:t>
-            </a:r>
-            <a:r>
-              <a:rPr lang="en-US" altLang="ja-JP" dirty="0">
-                <a:latin typeface="メイリオ" panose="020B0604030504040204" pitchFamily="50" charset="-128"/>
-                <a:ea typeface="メイリオ" panose="020B0604030504040204" pitchFamily="50" charset="-128"/>
-                <a:hlinkClick r:id="rId4"/>
-              </a:rPr>
-              <a:t>https://jh.rcos.nii.ac.jp/php/login.php</a:t>
-            </a:r>
-            <a:endParaRPr lang="ja-JP" altLang="en-US" dirty="0">
-              <a:latin typeface="メイリオ" panose="020B0604030504040204" pitchFamily="50" charset="-128"/>
-              <a:ea typeface="メイリオ" panose="020B0604030504040204" pitchFamily="50" charset="-128"/>
+          <a:p>
+            <a:pPr algn="l" eaLnBrk="1" fontAlgn="auto" hangingPunct="1">
+              <a:spcAft>
+                <a:spcPts val="0"/>
+              </a:spcAft>
+              <a:defRPr/>
+            </a:pPr>
+            <a:endParaRPr lang="ja-JP" altLang="en-US" sz="1800" dirty="0">
+              <a:latin typeface="メイリオ" pitchFamily="50" charset="-128"/>
+              <a:ea typeface="メイリオ" pitchFamily="50" charset="-128"/>
+              <a:cs typeface="メイリオ" pitchFamily="50" charset="-128"/>
             </a:endParaRPr>
           </a:p>
         </p:txBody>
@@ -31934,20 +31868,12 @@
           <a:p>
             <a:pPr eaLnBrk="1" hangingPunct="1"/>
             <a:r>
-              <a:rPr lang="en-US" altLang="ja-JP">
-                <a:latin typeface="メイリオ" pitchFamily="50" charset="-128"/>
-                <a:ea typeface="メイリオ" pitchFamily="50" charset="-128"/>
-                <a:cs typeface="メイリオ" pitchFamily="50" charset="-128"/>
-              </a:rPr>
-              <a:t>SPSS</a:t>
-            </a:r>
-            <a:r>
-              <a:rPr lang="ja-JP" altLang="en-US">
-                <a:latin typeface="メイリオ" pitchFamily="50" charset="-128"/>
-                <a:ea typeface="メイリオ" pitchFamily="50" charset="-128"/>
-                <a:cs typeface="メイリオ" pitchFamily="50" charset="-128"/>
-              </a:rPr>
-              <a:t>の出力を解釈する</a:t>
+              <a:rPr lang="ja-JP" altLang="en-US" dirty="0">
+                <a:latin typeface="メイリオ" pitchFamily="50" charset="-128"/>
+                <a:ea typeface="メイリオ" pitchFamily="50" charset="-128"/>
+                <a:cs typeface="メイリオ" pitchFamily="50" charset="-128"/>
+              </a:rPr>
+              <a:t>出力を解釈する</a:t>
             </a:r>
           </a:p>
         </p:txBody>
@@ -32269,20 +32195,12 @@
           <a:p>
             <a:pPr eaLnBrk="1" hangingPunct="1"/>
             <a:r>
-              <a:rPr lang="en-US" altLang="ja-JP">
-                <a:latin typeface="メイリオ" pitchFamily="50" charset="-128"/>
-                <a:ea typeface="メイリオ" pitchFamily="50" charset="-128"/>
-                <a:cs typeface="メイリオ" pitchFamily="50" charset="-128"/>
-              </a:rPr>
-              <a:t>SPSS</a:t>
-            </a:r>
-            <a:r>
-              <a:rPr lang="ja-JP" altLang="en-US">
-                <a:latin typeface="メイリオ" pitchFamily="50" charset="-128"/>
-                <a:ea typeface="メイリオ" pitchFamily="50" charset="-128"/>
-                <a:cs typeface="メイリオ" pitchFamily="50" charset="-128"/>
-              </a:rPr>
-              <a:t>の出力を解釈する</a:t>
+              <a:rPr lang="ja-JP" altLang="en-US" dirty="0">
+                <a:latin typeface="メイリオ" pitchFamily="50" charset="-128"/>
+                <a:ea typeface="メイリオ" pitchFamily="50" charset="-128"/>
+                <a:cs typeface="メイリオ" pitchFamily="50" charset="-128"/>
+              </a:rPr>
+              <a:t>出力を解釈する</a:t>
             </a:r>
           </a:p>
         </p:txBody>
@@ -33372,20 +33290,12 @@
           <a:p>
             <a:pPr eaLnBrk="1" hangingPunct="1"/>
             <a:r>
-              <a:rPr lang="en-US" altLang="ja-JP" dirty="0">
-                <a:latin typeface="メイリオ" pitchFamily="50" charset="-128"/>
-                <a:ea typeface="メイリオ" pitchFamily="50" charset="-128"/>
-                <a:cs typeface="メイリオ" pitchFamily="50" charset="-128"/>
-              </a:rPr>
-              <a:t>SPSS</a:t>
-            </a:r>
-            <a:r>
               <a:rPr lang="ja-JP" altLang="en-US" dirty="0">
                 <a:latin typeface="メイリオ" pitchFamily="50" charset="-128"/>
                 <a:ea typeface="メイリオ" pitchFamily="50" charset="-128"/>
                 <a:cs typeface="メイリオ" pitchFamily="50" charset="-128"/>
               </a:rPr>
-              <a:t>の出力を解釈する</a:t>
+              <a:t>出力を解釈する</a:t>
             </a:r>
           </a:p>
         </p:txBody>
@@ -33820,20 +33730,12 @@
           <a:p>
             <a:pPr eaLnBrk="1" hangingPunct="1"/>
             <a:r>
-              <a:rPr lang="en-US" altLang="ja-JP" dirty="0">
-                <a:latin typeface="メイリオ" pitchFamily="50" charset="-128"/>
-                <a:ea typeface="メイリオ" pitchFamily="50" charset="-128"/>
-                <a:cs typeface="メイリオ" pitchFamily="50" charset="-128"/>
-              </a:rPr>
-              <a:t>SPSS</a:t>
-            </a:r>
-            <a:r>
               <a:rPr lang="ja-JP" altLang="en-US" dirty="0">
                 <a:latin typeface="メイリオ" pitchFamily="50" charset="-128"/>
                 <a:ea typeface="メイリオ" pitchFamily="50" charset="-128"/>
                 <a:cs typeface="メイリオ" pitchFamily="50" charset="-128"/>
               </a:rPr>
-              <a:t>の出力を解釈する</a:t>
+              <a:t>出力を解釈する</a:t>
             </a:r>
           </a:p>
         </p:txBody>
@@ -37917,21 +37819,6 @@
           <a:p>
             <a:pPr lvl="1"/>
             <a:r>
-              <a:rPr lang="en-US" altLang="ja-JP" dirty="0"/>
-              <a:t>ICPSR</a:t>
-            </a:r>
-          </a:p>
-          <a:p>
-            <a:pPr lvl="2"/>
-            <a:r>
-              <a:rPr lang="ja-JP" altLang="en-US" dirty="0"/>
-              <a:t>世界最大の社会科学データリポジトリ。会員限定、総研大は非会員</a:t>
-            </a:r>
-            <a:endParaRPr lang="en-US" altLang="ja-JP" dirty="0"/>
-          </a:p>
-          <a:p>
-            <a:pPr lvl="1"/>
-            <a:r>
               <a:rPr kumimoji="1" lang="en-US" altLang="ja-JP" dirty="0"/>
               <a:t>CESSDA</a:t>
             </a:r>
